--- a/slides/09-hypothesis-testing.pptx
+++ b/slides/09-hypothesis-testing.pptx
@@ -272,7 +272,7 @@
           <a:p>
             <a:fld id="{2DA3ADC8-0AFD-F647-904F-5290280CD8F0}" type="datetimeFigureOut">
               <a:rPr lang="en-US" smtClean="0"/>
-              <a:t>10/3/23</a:t>
+              <a:t>10/5/23</a:t>
             </a:fld>
             <a:endParaRPr lang="en-US"/>
           </a:p>
@@ -8699,7 +8699,7 @@
           <a:p>
             <a:fld id="{42BD1637-0D27-F54B-A3CE-C829B5942E2D}" type="datetimeFigureOut">
               <a:rPr lang="en-US" smtClean="0"/>
-              <a:t>10/3/23</a:t>
+              <a:t>10/5/23</a:t>
             </a:fld>
             <a:endParaRPr lang="en-US"/>
           </a:p>
@@ -8869,7 +8869,7 @@
           <a:p>
             <a:fld id="{42BD1637-0D27-F54B-A3CE-C829B5942E2D}" type="datetimeFigureOut">
               <a:rPr lang="en-US" smtClean="0"/>
-              <a:t>10/3/23</a:t>
+              <a:t>10/5/23</a:t>
             </a:fld>
             <a:endParaRPr lang="en-US"/>
           </a:p>
@@ -9049,7 +9049,7 @@
           <a:p>
             <a:fld id="{42BD1637-0D27-F54B-A3CE-C829B5942E2D}" type="datetimeFigureOut">
               <a:rPr lang="en-US" smtClean="0"/>
-              <a:t>10/3/23</a:t>
+              <a:t>10/5/23</a:t>
             </a:fld>
             <a:endParaRPr lang="en-US"/>
           </a:p>
@@ -10889,7 +10889,7 @@
           <a:p>
             <a:fld id="{42BD1637-0D27-F54B-A3CE-C829B5942E2D}" type="datetimeFigureOut">
               <a:rPr lang="en-US" smtClean="0"/>
-              <a:t>10/3/23</a:t>
+              <a:t>10/5/23</a:t>
             </a:fld>
             <a:endParaRPr lang="en-US"/>
           </a:p>
@@ -11143,7 +11143,7 @@
           <a:p>
             <a:fld id="{42BD1637-0D27-F54B-A3CE-C829B5942E2D}" type="datetimeFigureOut">
               <a:rPr lang="en-US" smtClean="0"/>
-              <a:t>10/3/23</a:t>
+              <a:t>10/5/23</a:t>
             </a:fld>
             <a:endParaRPr lang="en-US"/>
           </a:p>
@@ -11431,7 +11431,7 @@
           <a:p>
             <a:fld id="{42BD1637-0D27-F54B-A3CE-C829B5942E2D}" type="datetimeFigureOut">
               <a:rPr lang="en-US" smtClean="0"/>
-              <a:t>10/3/23</a:t>
+              <a:t>10/5/23</a:t>
             </a:fld>
             <a:endParaRPr lang="en-US"/>
           </a:p>
@@ -11873,7 +11873,7 @@
           <a:p>
             <a:fld id="{42BD1637-0D27-F54B-A3CE-C829B5942E2D}" type="datetimeFigureOut">
               <a:rPr lang="en-US" smtClean="0"/>
-              <a:t>10/3/23</a:t>
+              <a:t>10/5/23</a:t>
             </a:fld>
             <a:endParaRPr lang="en-US"/>
           </a:p>
@@ -11991,7 +11991,7 @@
           <a:p>
             <a:fld id="{42BD1637-0D27-F54B-A3CE-C829B5942E2D}" type="datetimeFigureOut">
               <a:rPr lang="en-US" smtClean="0"/>
-              <a:t>10/3/23</a:t>
+              <a:t>10/5/23</a:t>
             </a:fld>
             <a:endParaRPr lang="en-US"/>
           </a:p>
@@ -12086,7 +12086,7 @@
           <a:p>
             <a:fld id="{42BD1637-0D27-F54B-A3CE-C829B5942E2D}" type="datetimeFigureOut">
               <a:rPr lang="en-US" smtClean="0"/>
-              <a:t>10/3/23</a:t>
+              <a:t>10/5/23</a:t>
             </a:fld>
             <a:endParaRPr lang="en-US"/>
           </a:p>
@@ -12374,7 +12374,7 @@
           <a:p>
             <a:fld id="{42BD1637-0D27-F54B-A3CE-C829B5942E2D}" type="datetimeFigureOut">
               <a:rPr lang="en-US" smtClean="0"/>
-              <a:t>10/3/23</a:t>
+              <a:t>10/5/23</a:t>
             </a:fld>
             <a:endParaRPr lang="en-US"/>
           </a:p>
@@ -12647,7 +12647,7 @@
           <a:p>
             <a:fld id="{42BD1637-0D27-F54B-A3CE-C829B5942E2D}" type="datetimeFigureOut">
               <a:rPr lang="en-US" smtClean="0"/>
-              <a:t>10/3/23</a:t>
+              <a:t>10/5/23</a:t>
             </a:fld>
             <a:endParaRPr lang="en-US"/>
           </a:p>
@@ -12944,7 +12944,7 @@
           <a:p>
             <a:fld id="{42BD1637-0D27-F54B-A3CE-C829B5942E2D}" type="datetimeFigureOut">
               <a:rPr lang="en-US" smtClean="0"/>
-              <a:t>10/3/23</a:t>
+              <a:t>10/5/23</a:t>
             </a:fld>
             <a:endParaRPr lang="en-US"/>
           </a:p>
@@ -17901,8 +17901,8 @@
           </a:ln>
         </p:spPr>
       </p:pic>
-      <mc:AlternateContent xmlns:mc="http://schemas.openxmlformats.org/markup-compatibility/2006">
-        <mc:Choice xmlns:a14="http://schemas.microsoft.com/office/drawing/2010/main" Requires="a14">
+      <mc:AlternateContent xmlns:mc="http://schemas.openxmlformats.org/markup-compatibility/2006" xmlns:a14="http://schemas.microsoft.com/office/drawing/2010/main">
+        <mc:Choice Requires="a14">
           <p:sp>
             <p:nvSpPr>
               <p:cNvPr id="3" name="TextBox 2">
@@ -17931,6 +17931,7 @@
               </a:bodyPr>
               <a:lstStyle/>
               <a:p>
+                <a:pPr/>
                 <a14:m>
                   <m:oMathPara xmlns:m="http://schemas.openxmlformats.org/officeDocument/2006/math">
                     <m:oMathParaPr>
@@ -18012,6 +18013,7 @@
                 </a:endParaRPr>
               </a:p>
               <a:p>
+                <a:pPr/>
                 <a14:m>
                   <m:oMathPara xmlns:m="http://schemas.openxmlformats.org/officeDocument/2006/math">
                     <m:oMathParaPr>
@@ -18076,7 +18078,7 @@
             </p:txBody>
           </p:sp>
         </mc:Choice>
-        <mc:Fallback>
+        <mc:Fallback xmlns="">
           <p:sp>
             <p:nvSpPr>
               <p:cNvPr id="3" name="TextBox 2">
@@ -18308,8 +18310,8 @@
           </a:p>
         </p:txBody>
       </p:sp>
-      <mc:AlternateContent xmlns:mc="http://schemas.openxmlformats.org/markup-compatibility/2006">
-        <mc:Choice xmlns:a14="http://schemas.microsoft.com/office/drawing/2010/main" Requires="a14">
+      <mc:AlternateContent xmlns:mc="http://schemas.openxmlformats.org/markup-compatibility/2006" xmlns:a14="http://schemas.microsoft.com/office/drawing/2010/main">
+        <mc:Choice Requires="a14">
           <p:sp>
             <p:nvSpPr>
               <p:cNvPr id="2" name="TextBox 1">
@@ -18338,6 +18340,7 @@
               </a:bodyPr>
               <a:lstStyle/>
               <a:p>
+                <a:pPr/>
                 <a14:m>
                   <m:oMathPara xmlns:m="http://schemas.openxmlformats.org/officeDocument/2006/math">
                     <m:oMathParaPr>
@@ -18419,6 +18422,7 @@
                 </a:endParaRPr>
               </a:p>
               <a:p>
+                <a:pPr/>
                 <a14:m>
                   <m:oMathPara xmlns:m="http://schemas.openxmlformats.org/officeDocument/2006/math">
                     <m:oMathParaPr>
@@ -18483,7 +18487,7 @@
             </p:txBody>
           </p:sp>
         </mc:Choice>
-        <mc:Fallback>
+        <mc:Fallback xmlns="">
           <p:sp>
             <p:nvSpPr>
               <p:cNvPr id="2" name="TextBox 1">
@@ -18765,8 +18769,8 @@
           </a:p>
         </p:txBody>
       </p:sp>
-      <mc:AlternateContent xmlns:mc="http://schemas.openxmlformats.org/markup-compatibility/2006">
-        <mc:Choice xmlns:a14="http://schemas.microsoft.com/office/drawing/2010/main" Requires="a14">
+      <mc:AlternateContent xmlns:mc="http://schemas.openxmlformats.org/markup-compatibility/2006" xmlns:a14="http://schemas.microsoft.com/office/drawing/2010/main">
+        <mc:Choice Requires="a14">
           <p:sp>
             <p:nvSpPr>
               <p:cNvPr id="2" name="TextBox 1">
@@ -18795,6 +18799,7 @@
               </a:bodyPr>
               <a:lstStyle/>
               <a:p>
+                <a:pPr/>
                 <a14:m>
                   <m:oMathPara xmlns:m="http://schemas.openxmlformats.org/officeDocument/2006/math">
                     <m:oMathParaPr>
@@ -18876,6 +18881,7 @@
                 </a:endParaRPr>
               </a:p>
               <a:p>
+                <a:pPr/>
                 <a14:m>
                   <m:oMathPara xmlns:m="http://schemas.openxmlformats.org/officeDocument/2006/math">
                     <m:oMathParaPr>
@@ -18940,7 +18946,7 @@
             </p:txBody>
           </p:sp>
         </mc:Choice>
-        <mc:Fallback>
+        <mc:Fallback xmlns="">
           <p:sp>
             <p:nvSpPr>
               <p:cNvPr id="2" name="TextBox 1">
@@ -19435,8 +19441,8 @@
           </a:ln>
         </p:spPr>
       </p:pic>
-      <mc:AlternateContent xmlns:mc="http://schemas.openxmlformats.org/markup-compatibility/2006">
-        <mc:Choice xmlns:a14="http://schemas.microsoft.com/office/drawing/2010/main" Requires="a14">
+      <mc:AlternateContent xmlns:mc="http://schemas.openxmlformats.org/markup-compatibility/2006" xmlns:a14="http://schemas.microsoft.com/office/drawing/2010/main">
+        <mc:Choice Requires="a14">
           <p:sp>
             <p:nvSpPr>
               <p:cNvPr id="2" name="TextBox 1">
@@ -19536,7 +19542,7 @@
             </p:txBody>
           </p:sp>
         </mc:Choice>
-        <mc:Fallback>
+        <mc:Fallback xmlns="">
           <p:sp>
             <p:nvSpPr>
               <p:cNvPr id="2" name="TextBox 1">
@@ -19789,8 +19795,8 @@
           </a:ln>
         </p:spPr>
       </p:pic>
-      <mc:AlternateContent xmlns:mc="http://schemas.openxmlformats.org/markup-compatibility/2006">
-        <mc:Choice xmlns:a14="http://schemas.microsoft.com/office/drawing/2010/main" Requires="a14">
+      <mc:AlternateContent xmlns:mc="http://schemas.openxmlformats.org/markup-compatibility/2006" xmlns:a14="http://schemas.microsoft.com/office/drawing/2010/main">
+        <mc:Choice Requires="a14">
           <p:sp>
             <p:nvSpPr>
               <p:cNvPr id="2" name="TextBox 1">
@@ -19890,7 +19896,7 @@
             </p:txBody>
           </p:sp>
         </mc:Choice>
-        <mc:Fallback>
+        <mc:Fallback xmlns="">
           <p:sp>
             <p:nvSpPr>
               <p:cNvPr id="2" name="TextBox 1">
@@ -19935,8 +19941,8 @@
           </p:sp>
         </mc:Fallback>
       </mc:AlternateContent>
-      <mc:AlternateContent xmlns:mc="http://schemas.openxmlformats.org/markup-compatibility/2006">
-        <mc:Choice xmlns:a14="http://schemas.microsoft.com/office/drawing/2010/main" Requires="a14">
+      <mc:AlternateContent xmlns:mc="http://schemas.openxmlformats.org/markup-compatibility/2006" xmlns:a14="http://schemas.microsoft.com/office/drawing/2010/main">
+        <mc:Choice Requires="a14">
           <p:sp>
             <p:nvSpPr>
               <p:cNvPr id="3" name="TextBox 2">
@@ -20027,7 +20033,7 @@
             </p:txBody>
           </p:sp>
         </mc:Choice>
-        <mc:Fallback>
+        <mc:Fallback xmlns="">
           <p:sp>
             <p:nvSpPr>
               <p:cNvPr id="3" name="TextBox 2">
@@ -20280,8 +20286,8 @@
           </a:ln>
         </p:spPr>
       </p:pic>
-      <mc:AlternateContent xmlns:mc="http://schemas.openxmlformats.org/markup-compatibility/2006">
-        <mc:Choice xmlns:a14="http://schemas.microsoft.com/office/drawing/2010/main" Requires="a14">
+      <mc:AlternateContent xmlns:mc="http://schemas.openxmlformats.org/markup-compatibility/2006" xmlns:a14="http://schemas.microsoft.com/office/drawing/2010/main">
+        <mc:Choice Requires="a14">
           <p:sp>
             <p:nvSpPr>
               <p:cNvPr id="2" name="TextBox 1">
@@ -20381,7 +20387,7 @@
             </p:txBody>
           </p:sp>
         </mc:Choice>
-        <mc:Fallback>
+        <mc:Fallback xmlns="">
           <p:sp>
             <p:nvSpPr>
               <p:cNvPr id="2" name="TextBox 1">
@@ -20426,8 +20432,8 @@
           </p:sp>
         </mc:Fallback>
       </mc:AlternateContent>
-      <mc:AlternateContent xmlns:mc="http://schemas.openxmlformats.org/markup-compatibility/2006">
-        <mc:Choice xmlns:a14="http://schemas.microsoft.com/office/drawing/2010/main" Requires="a14">
+      <mc:AlternateContent xmlns:mc="http://schemas.openxmlformats.org/markup-compatibility/2006" xmlns:a14="http://schemas.microsoft.com/office/drawing/2010/main">
+        <mc:Choice Requires="a14">
           <p:sp>
             <p:nvSpPr>
               <p:cNvPr id="3" name="TextBox 2">
@@ -20518,7 +20524,7 @@
             </p:txBody>
           </p:sp>
         </mc:Choice>
-        <mc:Fallback>
+        <mc:Fallback xmlns="">
           <p:sp>
             <p:nvSpPr>
               <p:cNvPr id="3" name="TextBox 2">
@@ -34655,8 +34661,8 @@
             </p:nvSpPr>
             <p:spPr>
               <a:xfrm>
-                <a:off x="6330177" y="2850118"/>
-                <a:ext cx="2545762" cy="3564694"/>
+                <a:off x="6395922" y="2489670"/>
+                <a:ext cx="3831242" cy="4152547"/>
               </a:xfrm>
               <a:prstGeom prst="rect">
                 <a:avLst/>
@@ -34669,41 +34675,30 @@
               </a:bodyPr>
               <a:lstStyle/>
               <a:p>
+                <a:pPr/>
                 <a14:m>
                   <m:oMathPara xmlns:m="http://schemas.openxmlformats.org/officeDocument/2006/math">
                     <m:oMathParaPr>
                       <m:jc m:val="centerGroup"/>
                     </m:oMathParaPr>
                     <m:oMath xmlns:m="http://schemas.openxmlformats.org/officeDocument/2006/math">
-                      <m:acc>
-                        <m:accPr>
-                          <m:chr m:val="̅"/>
-                          <m:ctrlPr>
-                            <a:rPr lang="en-US" sz="3200" i="1" smtClean="0">
-                              <a:latin typeface="Cambria Math" panose="02040503050406030204" pitchFamily="18" charset="0"/>
-                            </a:rPr>
-                          </m:ctrlPr>
-                        </m:accPr>
-                        <m:e>
-                          <m:r>
-                            <a:rPr lang="en-US" sz="3200" b="0" i="1" smtClean="0">
-                              <a:latin typeface="Cambria Math" panose="02040503050406030204" pitchFamily="18" charset="0"/>
-                            </a:rPr>
-                            <m:t>𝑥</m:t>
-                          </m:r>
-                        </m:e>
-                      </m:acc>
                       <m:r>
-                        <a:rPr lang="en-US" sz="3200" b="0" i="1" smtClean="0">
+                        <a:rPr lang="en-US" sz="3200" i="1" smtClean="0">
                           <a:latin typeface="Cambria Math" panose="02040503050406030204" pitchFamily="18" charset="0"/>
                         </a:rPr>
-                        <m:t>=</m:t>
+                        <m:t>𝑝</m:t>
+                      </m:r>
+                      <m:r>
+                        <a:rPr lang="en-US" sz="3200" i="1" smtClean="0">
+                          <a:latin typeface="Cambria Math" panose="02040503050406030204" pitchFamily="18" charset="0"/>
+                        </a:rPr>
+                        <m:t> =</m:t>
                       </m:r>
                       <m:r>
                         <a:rPr lang="en-US" sz="3200" b="0" i="1" smtClean="0">
                           <a:latin typeface="Cambria Math" panose="02040503050406030204" pitchFamily="18" charset="0"/>
                         </a:rPr>
-                        <m:t>𝑁</m:t>
+                        <m:t>𝐵𝑖𝑛𝑜𝑚𝑖𝑎𝑙</m:t>
                       </m:r>
                       <m:d>
                         <m:dPr>
@@ -34714,13 +34709,24 @@
                           </m:ctrlPr>
                         </m:dPr>
                         <m:e>
-                          <m:r>
-                            <a:rPr lang="en-US" sz="3200" b="0" i="1" smtClean="0">
-                              <a:latin typeface="Cambria Math" panose="02040503050406030204" pitchFamily="18" charset="0"/>
-                              <a:ea typeface="Cambria Math" panose="02040503050406030204" pitchFamily="18" charset="0"/>
-                            </a:rPr>
-                            <m:t>𝜇</m:t>
-                          </m:r>
+                          <m:acc>
+                            <m:accPr>
+                              <m:chr m:val="̂"/>
+                              <m:ctrlPr>
+                                <a:rPr lang="en-US" sz="3200" b="0" i="1" smtClean="0">
+                                  <a:latin typeface="Cambria Math" panose="02040503050406030204" pitchFamily="18" charset="0"/>
+                                </a:rPr>
+                              </m:ctrlPr>
+                            </m:accPr>
+                            <m:e>
+                              <m:r>
+                                <a:rPr lang="en-US" sz="3200" b="0" i="1" smtClean="0">
+                                  <a:latin typeface="Cambria Math" panose="02040503050406030204" pitchFamily="18" charset="0"/>
+                                </a:rPr>
+                                <m:t>𝑝</m:t>
+                              </m:r>
+                            </m:e>
+                          </m:acc>
                           <m:r>
                             <a:rPr lang="en-US" sz="3200" b="0" i="1" smtClean="0">
                               <a:latin typeface="Cambria Math" panose="02040503050406030204" pitchFamily="18" charset="0"/>
@@ -34733,7 +34739,7 @@
                               <a:latin typeface="Cambria Math" panose="02040503050406030204" pitchFamily="18" charset="0"/>
                               <a:ea typeface="Cambria Math" panose="02040503050406030204" pitchFamily="18" charset="0"/>
                             </a:rPr>
-                            <m:t>𝑆𝐸</m:t>
+                            <m:t>𝑠</m:t>
                           </m:r>
                         </m:e>
                       </m:d>
@@ -34750,6 +34756,7 @@
                 </a:endParaRPr>
               </a:p>
               <a:p>
+                <a:pPr/>
                 <a14:m>
                   <m:oMathPara xmlns:m="http://schemas.openxmlformats.org/officeDocument/2006/math">
                     <m:oMathParaPr>
@@ -34768,44 +34775,62 @@
                         </a:rPr>
                         <m:t>= </m:t>
                       </m:r>
-                      <m:f>
-                        <m:fPr>
+                      <m:rad>
+                        <m:radPr>
+                          <m:degHide m:val="on"/>
                           <m:ctrlPr>
                             <a:rPr lang="en-US" sz="3200" b="0" i="1" smtClean="0">
                               <a:latin typeface="Cambria Math" panose="02040503050406030204" pitchFamily="18" charset="0"/>
                             </a:rPr>
                           </m:ctrlPr>
-                        </m:fPr>
-                        <m:num>
-                          <m:r>
-                            <a:rPr lang="en-US" sz="3200" b="0" i="1" smtClean="0">
-                              <a:latin typeface="Cambria Math" panose="02040503050406030204" pitchFamily="18" charset="0"/>
-                            </a:rPr>
-                            <m:t>𝑠</m:t>
-                          </m:r>
-                        </m:num>
-                        <m:den>
-                          <m:rad>
-                            <m:radPr>
-                              <m:degHide m:val="on"/>
+                        </m:radPr>
+                        <m:deg/>
+                        <m:e>
+                          <m:f>
+                            <m:fPr>
                               <m:ctrlPr>
                                 <a:rPr lang="en-US" sz="3200" b="0" i="1" smtClean="0">
                                   <a:latin typeface="Cambria Math" panose="02040503050406030204" pitchFamily="18" charset="0"/>
                                 </a:rPr>
                               </m:ctrlPr>
-                            </m:radPr>
-                            <m:deg/>
-                            <m:e>
+                            </m:fPr>
+                            <m:num>
+                              <m:r>
+                                <a:rPr lang="en-US" sz="3200" b="0" i="1" smtClean="0">
+                                  <a:latin typeface="Cambria Math" panose="02040503050406030204" pitchFamily="18" charset="0"/>
+                                </a:rPr>
+                                <m:t>𝑝</m:t>
+                              </m:r>
+                              <m:r>
+                                <a:rPr lang="en-US" sz="3200" b="0" i="1" smtClean="0">
+                                  <a:latin typeface="Cambria Math" panose="02040503050406030204" pitchFamily="18" charset="0"/>
+                                </a:rPr>
+                                <m:t>(1−</m:t>
+                              </m:r>
+                              <m:r>
+                                <a:rPr lang="en-US" sz="3200" b="0" i="1" smtClean="0">
+                                  <a:latin typeface="Cambria Math" panose="02040503050406030204" pitchFamily="18" charset="0"/>
+                                </a:rPr>
+                                <m:t>𝑝</m:t>
+                              </m:r>
+                              <m:r>
+                                <a:rPr lang="en-US" sz="3200" b="0" i="1" smtClean="0">
+                                  <a:latin typeface="Cambria Math" panose="02040503050406030204" pitchFamily="18" charset="0"/>
+                                </a:rPr>
+                                <m:t>)</m:t>
+                              </m:r>
+                            </m:num>
+                            <m:den>
                               <m:r>
                                 <a:rPr lang="en-US" sz="3200" b="0" i="1" smtClean="0">
                                   <a:latin typeface="Cambria Math" panose="02040503050406030204" pitchFamily="18" charset="0"/>
                                 </a:rPr>
                                 <m:t>𝑛</m:t>
                               </m:r>
-                            </m:e>
-                          </m:rad>
-                        </m:den>
-                      </m:f>
+                            </m:den>
+                          </m:f>
+                        </m:e>
+                      </m:rad>
                     </m:oMath>
                   </m:oMathPara>
                 </a14:m>
@@ -34850,13 +34875,24 @@
                           </a:rPr>
                           <m:t> − </m:t>
                         </m:r>
-                        <m:r>
-                          <a:rPr lang="en-US" sz="3200" b="0" i="1" smtClean="0">
-                            <a:latin typeface="Cambria Math" panose="02040503050406030204" pitchFamily="18" charset="0"/>
-                            <a:ea typeface="Cambria Math" panose="02040503050406030204" pitchFamily="18" charset="0"/>
-                          </a:rPr>
-                          <m:t>𝜇</m:t>
-                        </m:r>
+                        <m:acc>
+                          <m:accPr>
+                            <m:chr m:val="̂"/>
+                            <m:ctrlPr>
+                              <a:rPr lang="en-US" sz="3200" b="0" i="1" smtClean="0">
+                                <a:latin typeface="Cambria Math" panose="02040503050406030204" pitchFamily="18" charset="0"/>
+                              </a:rPr>
+                            </m:ctrlPr>
+                          </m:accPr>
+                          <m:e>
+                            <m:r>
+                              <a:rPr lang="en-US" sz="3200" b="0" i="1" smtClean="0">
+                                <a:latin typeface="Cambria Math" panose="02040503050406030204" pitchFamily="18" charset="0"/>
+                              </a:rPr>
+                              <m:t>𝑝</m:t>
+                            </m:r>
+                          </m:e>
+                        </m:acc>
                       </m:num>
                       <m:den>
                         <m:r>
@@ -34897,8 +34933,8 @@
             </p:nvSpPr>
             <p:spPr>
               <a:xfrm>
-                <a:off x="6330177" y="2850118"/>
-                <a:ext cx="2545762" cy="3564694"/>
+                <a:off x="6395922" y="2489670"/>
+                <a:ext cx="3831242" cy="4152547"/>
               </a:xfrm>
               <a:prstGeom prst="rect">
                 <a:avLst/>
@@ -34906,7 +34942,7 @@
               <a:blipFill>
                 <a:blip r:embed="rId3"/>
                 <a:stretch>
-                  <a:fillRect l="-3980"/>
+                  <a:fillRect l="-2640" t="-2128"/>
                 </a:stretch>
               </a:blipFill>
             </p:spPr>
